--- a/Hauber_poster_presentation/Hauber Poster 9.4.pptx
+++ b/Hauber_poster_presentation/Hauber Poster 9.4.pptx
@@ -4432,7 +4432,7 @@
                 </a:solidFill>
                 <a:latin typeface="Montserrat" panose="00000500000000000000" pitchFamily="2" charset="0"/>
               </a:rPr>
-              <a:t> Research Fellowship–2024</a:t>
+              <a:t> Research Fellowship 2024</a:t>
             </a:r>
           </a:p>
           <a:p>
@@ -5500,7 +5500,7 @@
                 <a:latin typeface="Montserrat" panose="00000500000000000000" pitchFamily="2" charset="0"/>
                 <a:cs typeface="Arial" pitchFamily="34" charset="0"/>
               </a:rPr>
-              <a:t>We wish to acknowledge Dr. Mary Lowe, the Loyola Physics Department, the </a:t>
+              <a:t>We wish to acknowledge Dr. Mary Lowe, the Loyola University Physics Department, the </a:t>
             </a:r>
             <a:r>
               <a:rPr lang="en-US" sz="2000" dirty="0" err="1">
@@ -6150,8 +6150,8 @@
         </p:blipFill>
         <p:spPr>
           <a:xfrm>
-            <a:off x="19631804" y="18906397"/>
-            <a:ext cx="1984875" cy="1981200"/>
+            <a:off x="18346110" y="19619516"/>
+            <a:ext cx="3203228" cy="3197297"/>
           </a:xfrm>
           <a:prstGeom prst="rect">
             <a:avLst/>
@@ -6172,8 +6172,8 @@
         </p:nvGrpSpPr>
         <p:grpSpPr>
           <a:xfrm>
-            <a:off x="12835432" y="22529668"/>
-            <a:ext cx="9110168" cy="4980870"/>
+            <a:off x="12902815" y="22935273"/>
+            <a:ext cx="8617912" cy="4810782"/>
             <a:chOff x="11445297" y="11085698"/>
             <a:chExt cx="10543753" cy="5586371"/>
           </a:xfrm>
@@ -6475,8 +6475,8 @@
           </p:nvCxnSpPr>
           <p:spPr>
             <a:xfrm>
-              <a:off x="13034126" y="12980921"/>
-              <a:ext cx="1092168" cy="915060"/>
+              <a:off x="13123363" y="12994957"/>
+              <a:ext cx="1002932" cy="901025"/>
             </a:xfrm>
             <a:prstGeom prst="straightConnector1">
               <a:avLst/>
@@ -6842,8 +6842,8 @@
           </p:nvSpPr>
           <p:spPr>
             <a:xfrm>
-              <a:off x="11531599" y="12583951"/>
-              <a:ext cx="1502526" cy="793940"/>
+              <a:off x="11531598" y="12583951"/>
+              <a:ext cx="1591764" cy="822011"/>
             </a:xfrm>
             <a:prstGeom prst="rect">
               <a:avLst/>
@@ -6965,7 +6965,7 @@
         </p:blipFill>
         <p:spPr>
           <a:xfrm>
-            <a:off x="12910000" y="18409116"/>
+            <a:off x="12973354" y="18839703"/>
             <a:ext cx="5155954" cy="3977110"/>
           </a:xfrm>
           <a:prstGeom prst="rect">
@@ -6990,7 +6990,7 @@
         <p:spPr bwMode="auto">
           <a:xfrm>
             <a:off x="12978884" y="27749864"/>
-            <a:ext cx="8617912" cy="4810782"/>
+            <a:ext cx="8617912" cy="5217047"/>
           </a:xfrm>
           <a:prstGeom prst="rect">
             <a:avLst/>
@@ -7159,7 +7159,7 @@
                 <a:latin typeface="Montserrat" panose="00000500000000000000" pitchFamily="2" charset="0"/>
                 <a:cs typeface="Arial" pitchFamily="34" charset="0"/>
               </a:rPr>
-              <a:t>The code is written in python and run completely on a separate computer where the machine learning and Gaussian processes calculations are done. Other parts of the code could be run using a </a:t>
+              <a:t>The code is written in python and run completely on a separate computer where the machine learning and Gaussian processes calculations are completed. Other parts of the code could be run using a </a:t>
             </a:r>
             <a:r>
               <a:rPr lang="en-US" sz="2400" dirty="0" err="1">
@@ -7960,7 +7960,7 @@
                 <a:latin typeface="Montserrat" panose="00000500000000000000" pitchFamily="2" charset="0"/>
                 <a:cs typeface="Arial" pitchFamily="34" charset="0"/>
               </a:rPr>
-              <a:t>Our goal is to discover the shape of the curve of the pH that results when mixing together an acid and a conjugate base.</a:t>
+              <a:t>Our goal was to discover the shape of the curve of the pH that results when mixing together an acid and a conjugate base.</a:t>
             </a:r>
           </a:p>
           <a:p>
@@ -7981,7 +7981,7 @@
                 <a:latin typeface="Montserrat" panose="00000500000000000000" pitchFamily="2" charset="0"/>
                 <a:cs typeface="Arial" pitchFamily="34" charset="0"/>
               </a:rPr>
-              <a:t>Acetic Acid</a:t>
+              <a:t>0.1M Acetic Acid</a:t>
             </a:r>
             <a:r>
               <a:rPr lang="en-US" sz="2400" dirty="0">
@@ -7995,7 +7995,7 @@
                 <a:latin typeface="Montserrat" panose="00000500000000000000" pitchFamily="2" charset="0"/>
                 <a:cs typeface="Arial" pitchFamily="34" charset="0"/>
               </a:rPr>
-              <a:t>Sodium Acetate</a:t>
+              <a:t>0.1M Sodium Acetate</a:t>
             </a:r>
             <a:r>
               <a:rPr lang="en-US" sz="2400" dirty="0">
@@ -8011,10 +8011,13 @@
                 <a:spcPct val="110000"/>
               </a:lnSpc>
             </a:pPr>
-            <a:endParaRPr lang="en-US" sz="2400" dirty="0">
-              <a:latin typeface="Montserrat" panose="00000500000000000000" pitchFamily="2" charset="0"/>
-              <a:cs typeface="Arial" pitchFamily="34" charset="0"/>
-            </a:endParaRPr>
+            <a:r>
+              <a:rPr lang="en-US" sz="2400" dirty="0">
+                <a:latin typeface="Montserrat" panose="00000500000000000000" pitchFamily="2" charset="0"/>
+                <a:cs typeface="Arial" pitchFamily="34" charset="0"/>
+              </a:rPr>
+              <a:t>The curve begins as a line at 0, the mean of all infinite possibilities for the curve to take.</a:t>
+            </a:r>
           </a:p>
           <a:p>
             <a:pPr algn="just">
@@ -8027,7 +8030,7 @@
                 <a:latin typeface="Montserrat" panose="00000500000000000000" pitchFamily="2" charset="0"/>
                 <a:cs typeface="Arial" pitchFamily="34" charset="0"/>
               </a:rPr>
-              <a:t>We begin by taking a measurement at 0.1 ratio of the [acid]/[conjugate base].</a:t>
+              <a:t>We began by taking a measurement at 0.1 ratio of the [acid]/[conjugate base].</a:t>
             </a:r>
           </a:p>
           <a:p>
@@ -8041,7 +8044,7 @@
                 <a:latin typeface="Montserrat" panose="00000500000000000000" pitchFamily="2" charset="0"/>
                 <a:cs typeface="Arial" pitchFamily="34" charset="0"/>
               </a:rPr>
-              <a:t>From that, we obtain a measurement. With it, we obtain a curve with the uncertainty required to create an acquisition function.</a:t>
+              <a:t>With it, we obtained a curve with the uncertainty required to create an acquisition function.</a:t>
             </a:r>
           </a:p>
           <a:p>
@@ -8055,7 +8058,7 @@
                 <a:latin typeface="Montserrat" panose="00000500000000000000" pitchFamily="2" charset="0"/>
                 <a:cs typeface="Arial" pitchFamily="34" charset="0"/>
               </a:rPr>
-              <a:t>From this, we obtain the next data point.</a:t>
+              <a:t>From this, we obtained the next data point.</a:t>
             </a:r>
           </a:p>
           <a:p>
@@ -8069,7 +8072,7 @@
                 <a:latin typeface="Montserrat" panose="00000500000000000000" pitchFamily="2" charset="0"/>
                 <a:cs typeface="Arial" pitchFamily="34" charset="0"/>
               </a:rPr>
-              <a:t>This continues until the curve is found.</a:t>
+              <a:t>This continued until the curve was found.</a:t>
             </a:r>
           </a:p>
         </p:txBody>
@@ -8120,8 +8123,8 @@
         </p:nvSpPr>
         <p:spPr bwMode="auto">
           <a:xfrm>
-            <a:off x="711199" y="6771101"/>
-            <a:ext cx="20885597" cy="4129442"/>
+            <a:off x="711199" y="6704803"/>
+            <a:ext cx="20885597" cy="4535707"/>
           </a:xfrm>
           <a:prstGeom prst="rect">
             <a:avLst/>
@@ -8290,7 +8293,7 @@
                 <a:latin typeface="Montserrat" panose="00000500000000000000" pitchFamily="2" charset="0"/>
                 <a:cs typeface="Arial" pitchFamily="34" charset="0"/>
               </a:rPr>
-              <a:t>Scientists often need to take large amounts of data and conduct numerous tests. Rather than taking numerous measurements that take time, resources, and money, it may be better to automate the task. Beyond that, imagine if a device were able to do more than simply repeat a task, if it could make its own decisions and conduct an experiment wholly without needing constant human supervision. This could combat the complexity of research and optimize the taking of data, as well as greatly easing the burden on fields that require large amounts of testing, such as chemistry, drug discovery, biology, material synthesis, and much more. We can accomplish this using Gaussian processes applied to machine learning. LEGOLAS is a robotic device capable of applying these principals when measuring the pH of an acid and a conjugate base when mixed. Our experiment could be viewed as a proof of concept of a principal that is extremely valuable and can be applied to many other disciplines, setting, and applications. The goal of this project was to understand machine learning and its applications, and to achieve this, we investigated both exploration and exploitation based machine learning, as well as combining the two. We explored machine learning both experimentally and computationally.</a:t>
+              <a:t>When researching, scientists often need to take large amounts of data and conduct numerous tests. Rather than taking many measurements that require time, resources, and money, it may be better to automate the task. Beyond automation, imagine if a device were able to do more than simply repeat a task, if it could make its own decisions and conduct an experiment wholly without needing constant human supervision. This could combat the complexity of research and optimize the taking of data, as well as greatly easing the burden on scientists in fields that require large amounts of testing, such as chemistry, physics, drug discovery, biology, material synthesis, and more. We can accomplish this using Gaussian processes applied to machine learning. LEGOLAS, which stands for LEGO-based low-cost autonomous scientist, is a robotic device capable of applying these principals when measuring the pH of two liquids when mixed, such as an acid and a conjugate base. Our experiment could be viewed as a proof of concept of a principal that is extremely valuable and can be applied to many other disciplines, settings, and applications. The goal of this project was to understand machine learning and its applications, and to achieve this, we investigated both exploration and exploitation based machine learning, as well as combining the two. We explored machine learning both experimentally and computationally. </a:t>
             </a:r>
           </a:p>
         </p:txBody>
@@ -8312,7 +8315,7 @@
         <p:spPr bwMode="auto">
           <a:xfrm>
             <a:off x="12835432" y="12220600"/>
-            <a:ext cx="8759484" cy="6296189"/>
+            <a:ext cx="8759484" cy="6702454"/>
           </a:xfrm>
           <a:prstGeom prst="rect">
             <a:avLst/>
@@ -8481,7 +8484,7 @@
                 <a:latin typeface="Montserrat" panose="00000500000000000000" pitchFamily="2" charset="0"/>
                 <a:cs typeface="Arial" pitchFamily="34" charset="0"/>
               </a:rPr>
-              <a:t>LEGOLAS, which stands for LEGO-based low-cost autonomous scientist, is a robotic kit created by a team of students and faculty at UMD, as well as a team from NIST. It is the solution to the issue that often devices for material synthesis, especially for machine learning, are extremely expensive, and so LEGOLAS was created to be a low-cost solution to allow any institution to be able to teach machine learning in any setting.</a:t>
+              <a:t>LEGOLAS, which stands for LEGO-based low-cost autonomous scientist, is a robotic kit created by a team of students and faculty at the University of Maryland, as well as a team from the National Institute of Standards and Technology. It is the solution to the issue that often devices for material synthesis, especially for machine learning, are extremely expensive, and so LEGOLAS was created to be a low-cost solution to allow any institution to be able to teach machine learning in any setting.</a:t>
             </a:r>
           </a:p>
           <a:p>
@@ -9085,7 +9088,7 @@
                 <a:latin typeface="Montserrat" panose="00000500000000000000" pitchFamily="2" charset="0"/>
                 <a:cs typeface="Arial" pitchFamily="34" charset="0"/>
               </a:rPr>
-              <a:t>We selected this in order to understand the concepts behind the machine learning and to be sure our results are applying them correctly.</a:t>
+              <a:t>We selected to use a known relationship in order to understand the concepts behind the machine learning and to ensure our results were applying them correctly.</a:t>
             </a:r>
           </a:p>
           <a:p>
@@ -10098,31 +10101,7 @@
               <a:rPr lang="en-US" sz="2400" dirty="0">
                 <a:latin typeface="Montserrat" pitchFamily="2" charset="77"/>
               </a:rPr>
-              <a:t>We decided that this topic can be researched in more depth by not constraining ourselves to the apparatus that makes running even a single trial a lengthy process, limiting the number of trials we can do in a </a:t>
-            </a:r>
-            <a:r>
-              <a:rPr lang="en-US" sz="2400" dirty="0" err="1">
-                <a:latin typeface="Montserrat" pitchFamily="2" charset="77"/>
-              </a:rPr>
-              <a:t>givenp</a:t>
-            </a:r>
-            <a:r>
-              <a:rPr lang="en-US" sz="2400" dirty="0">
-                <a:latin typeface="Montserrat" pitchFamily="2" charset="77"/>
-              </a:rPr>
-              <a:t> </a:t>
-            </a:r>
-            <a:r>
-              <a:rPr lang="en-US" sz="2400" dirty="0" err="1">
-                <a:latin typeface="Montserrat" pitchFamily="2" charset="77"/>
-              </a:rPr>
-              <a:t>eriod</a:t>
-            </a:r>
-            <a:r>
-              <a:rPr lang="en-US" sz="2400" dirty="0">
-                <a:latin typeface="Montserrat" pitchFamily="2" charset="77"/>
-              </a:rPr>
-              <a:t> and making it difficult to get instant feedback on any changes made to the code. We started generating data artificially to side-step the physical data collection process. It was generated based on the Henderson-</a:t>
+              <a:t>We decided that this topic can be researched in more depth by not constraining ourselves to the apparatus that makes running even a single trial a lengthy process, limiting the number of trials we can do in a given period and making it difficult to get instant feedback on any changes made to the code. We started generating data artificially to side-step the physical data collection process. It was generated based on the Henderson-</a:t>
             </a:r>
             <a:r>
               <a:rPr lang="en-US" sz="2400" dirty="0" err="1">
@@ -11074,12 +11053,11 @@
 </file>
 
 <file path=customXml/item1.xml><?xml version="1.0" encoding="utf-8"?>
-<?mso-contentType ?>
-<FormTemplates xmlns="http://schemas.microsoft.com/sharepoint/v3/contenttype/forms">
-  <Display>DocumentLibraryForm</Display>
-  <Edit>DocumentLibraryForm</Edit>
-  <New>DocumentLibraryForm</New>
-</FormTemplates>
+<p:properties xmlns:p="http://schemas.microsoft.com/office/2006/metadata/properties" xmlns:xsi="http://www.w3.org/2001/XMLSchema-instance" xmlns:pc="http://schemas.microsoft.com/office/infopath/2007/PartnerControls">
+  <documentManagement>
+    <_activity xmlns="0ec21670-e184-4851-b236-8d05d50b5085" xsi:nil="true"/>
+  </documentManagement>
+</p:properties>
 </file>
 
 <file path=customXml/item2.xml><?xml version="1.0" encoding="utf-8"?>
@@ -11272,17 +11250,27 @@
 </file>
 
 <file path=customXml/item3.xml><?xml version="1.0" encoding="utf-8"?>
-<p:properties xmlns:p="http://schemas.microsoft.com/office/2006/metadata/properties" xmlns:xsi="http://www.w3.org/2001/XMLSchema-instance" xmlns:pc="http://schemas.microsoft.com/office/infopath/2007/PartnerControls">
-  <documentManagement>
-    <_activity xmlns="0ec21670-e184-4851-b236-8d05d50b5085" xsi:nil="true"/>
-  </documentManagement>
-</p:properties>
+<?mso-contentType ?>
+<FormTemplates xmlns="http://schemas.microsoft.com/sharepoint/v3/contenttype/forms">
+  <Display>DocumentLibraryForm</Display>
+  <Edit>DocumentLibraryForm</Edit>
+  <New>DocumentLibraryForm</New>
+</FormTemplates>
 </file>
 
 <file path=customXml/itemProps1.xml><?xml version="1.0" encoding="utf-8"?>
-<ds:datastoreItem xmlns:ds="http://schemas.openxmlformats.org/officeDocument/2006/customXml" ds:itemID="{72A85D16-D06E-4421-8037-2194BECEF23B}">
+<ds:datastoreItem xmlns:ds="http://schemas.openxmlformats.org/officeDocument/2006/customXml" ds:itemID="{BBFC921D-21DB-496A-B4E1-28510EFCAEFF}">
   <ds:schemaRefs>
-    <ds:schemaRef ds:uri="http://schemas.microsoft.com/sharepoint/v3/contenttype/forms"/>
+    <ds:schemaRef ds:uri="http://purl.org/dc/dcmitype/"/>
+    <ds:schemaRef ds:uri="http://schemas.microsoft.com/office/2006/documentManagement/types"/>
+    <ds:schemaRef ds:uri="http://purl.org/dc/elements/1.1/"/>
+    <ds:schemaRef ds:uri="http://schemas.microsoft.com/office/infopath/2007/PartnerControls"/>
+    <ds:schemaRef ds:uri="http://schemas.openxmlformats.org/package/2006/metadata/core-properties"/>
+    <ds:schemaRef ds:uri="http://schemas.microsoft.com/office/2006/metadata/properties"/>
+    <ds:schemaRef ds:uri="http://purl.org/dc/terms/"/>
+    <ds:schemaRef ds:uri="06e83204-0f96-44d6-87a2-fac04d576e6a"/>
+    <ds:schemaRef ds:uri="0ec21670-e184-4851-b236-8d05d50b5085"/>
+    <ds:schemaRef ds:uri="http://www.w3.org/XML/1998/namespace"/>
   </ds:schemaRefs>
 </ds:datastoreItem>
 </file>
@@ -11307,18 +11295,9 @@
 </file>
 
 <file path=customXml/itemProps3.xml><?xml version="1.0" encoding="utf-8"?>
-<ds:datastoreItem xmlns:ds="http://schemas.openxmlformats.org/officeDocument/2006/customXml" ds:itemID="{BBFC921D-21DB-496A-B4E1-28510EFCAEFF}">
+<ds:datastoreItem xmlns:ds="http://schemas.openxmlformats.org/officeDocument/2006/customXml" ds:itemID="{72A85D16-D06E-4421-8037-2194BECEF23B}">
   <ds:schemaRefs>
-    <ds:schemaRef ds:uri="http://purl.org/dc/dcmitype/"/>
-    <ds:schemaRef ds:uri="http://schemas.microsoft.com/office/2006/documentManagement/types"/>
-    <ds:schemaRef ds:uri="http://purl.org/dc/elements/1.1/"/>
-    <ds:schemaRef ds:uri="http://schemas.microsoft.com/office/infopath/2007/PartnerControls"/>
-    <ds:schemaRef ds:uri="http://schemas.openxmlformats.org/package/2006/metadata/core-properties"/>
-    <ds:schemaRef ds:uri="http://schemas.microsoft.com/office/2006/metadata/properties"/>
-    <ds:schemaRef ds:uri="http://purl.org/dc/terms/"/>
-    <ds:schemaRef ds:uri="06e83204-0f96-44d6-87a2-fac04d576e6a"/>
-    <ds:schemaRef ds:uri="0ec21670-e184-4851-b236-8d05d50b5085"/>
-    <ds:schemaRef ds:uri="http://www.w3.org/XML/1998/namespace"/>
+    <ds:schemaRef ds:uri="http://schemas.microsoft.com/sharepoint/v3/contenttype/forms"/>
   </ds:schemaRefs>
 </ds:datastoreItem>
 </file>